--- a/Report/Maven Market.pptx
+++ b/Report/Maven Market.pptx
@@ -110,6 +110,11 @@
       </a:defRPr>
     </a:lvl9pPr>
   </p:defaultTextStyle>
+  <p:extLst>
+    <p:ext uri="{EFAFB233-063F-42B5-8137-9DF3F51BA10A}">
+      <p15:sldGuideLst xmlns:p15="http://schemas.microsoft.com/office/powerpoint/2012/main"/>
+    </p:ext>
+  </p:extLst>
 </p:presentation>
 </file>
 
@@ -263,10 +268,6 @@
                   <a:prstGeom prst="rect">
                     <a:avLst/>
                   </a:prstGeom>
-                  <a:noFill/>
-                  <a:ln>
-                    <a:noFill/>
-                  </a:ln>
                 </c15:spPr>
               </c:ext>
             </c:extLst>
@@ -390,569 +391,10 @@
       <a:endParaRPr lang="en-150"/>
     </a:p>
   </c:txPr>
-  <c:externalData r:id="rId3">
+  <c:externalData r:id="rId1">
     <c:autoUpdate val="0"/>
   </c:externalData>
 </c:chartSpace>
-</file>
-
-<file path=ppt/charts/colors1.xml><?xml version="1.0" encoding="utf-8"?>
-<cs:colorStyle xmlns:cs="http://schemas.microsoft.com/office/drawing/2012/chartStyle" xmlns:a="http://schemas.openxmlformats.org/drawingml/2006/main" meth="cycle" id="10">
-  <a:schemeClr val="accent1"/>
-  <a:schemeClr val="accent2"/>
-  <a:schemeClr val="accent3"/>
-  <a:schemeClr val="accent4"/>
-  <a:schemeClr val="accent5"/>
-  <a:schemeClr val="accent6"/>
-  <cs:variation/>
-  <cs:variation>
-    <a:lumMod val="60000"/>
-  </cs:variation>
-  <cs:variation>
-    <a:lumMod val="80000"/>
-    <a:lumOff val="20000"/>
-  </cs:variation>
-  <cs:variation>
-    <a:lumMod val="80000"/>
-  </cs:variation>
-  <cs:variation>
-    <a:lumMod val="60000"/>
-    <a:lumOff val="40000"/>
-  </cs:variation>
-  <cs:variation>
-    <a:lumMod val="50000"/>
-  </cs:variation>
-  <cs:variation>
-    <a:lumMod val="70000"/>
-    <a:lumOff val="30000"/>
-  </cs:variation>
-  <cs:variation>
-    <a:lumMod val="70000"/>
-  </cs:variation>
-  <cs:variation>
-    <a:lumMod val="50000"/>
-    <a:lumOff val="50000"/>
-  </cs:variation>
-</cs:colorStyle>
-</file>
-
-<file path=ppt/charts/style1.xml><?xml version="1.0" encoding="utf-8"?>
-<cs:chartStyle xmlns:cs="http://schemas.microsoft.com/office/drawing/2012/chartStyle" xmlns:a="http://schemas.openxmlformats.org/drawingml/2006/main" id="251">
-  <cs:axisTitle>
-    <cs:lnRef idx="0"/>
-    <cs:fillRef idx="0"/>
-    <cs:effectRef idx="0"/>
-    <cs:fontRef idx="minor">
-      <a:schemeClr val="tx1">
-        <a:lumMod val="65000"/>
-        <a:lumOff val="35000"/>
-      </a:schemeClr>
-    </cs:fontRef>
-    <cs:defRPr sz="1330" kern="1200"/>
-  </cs:axisTitle>
-  <cs:categoryAxis>
-    <cs:lnRef idx="0"/>
-    <cs:fillRef idx="0"/>
-    <cs:effectRef idx="0"/>
-    <cs:fontRef idx="minor">
-      <a:schemeClr val="tx1">
-        <a:lumMod val="65000"/>
-        <a:lumOff val="35000"/>
-      </a:schemeClr>
-    </cs:fontRef>
-    <cs:spPr>
-      <a:ln w="9525" cap="flat" cmpd="sng" algn="ctr">
-        <a:solidFill>
-          <a:schemeClr val="tx1">
-            <a:lumMod val="15000"/>
-            <a:lumOff val="85000"/>
-          </a:schemeClr>
-        </a:solidFill>
-        <a:round/>
-      </a:ln>
-    </cs:spPr>
-    <cs:defRPr sz="1197" kern="1200"/>
-  </cs:categoryAxis>
-  <cs:chartArea mods="allowNoFillOverride allowNoLineOverride">
-    <cs:lnRef idx="0"/>
-    <cs:fillRef idx="0"/>
-    <cs:effectRef idx="0"/>
-    <cs:fontRef idx="minor">
-      <a:schemeClr val="tx1"/>
-    </cs:fontRef>
-    <cs:spPr>
-      <a:solidFill>
-        <a:schemeClr val="bg1"/>
-      </a:solidFill>
-      <a:ln w="9525" cap="flat" cmpd="sng" algn="ctr">
-        <a:solidFill>
-          <a:schemeClr val="tx1">
-            <a:lumMod val="15000"/>
-            <a:lumOff val="85000"/>
-          </a:schemeClr>
-        </a:solidFill>
-        <a:round/>
-      </a:ln>
-    </cs:spPr>
-    <cs:defRPr sz="1197" kern="1200"/>
-  </cs:chartArea>
-  <cs:dataLabel>
-    <cs:lnRef idx="0"/>
-    <cs:fillRef idx="0"/>
-    <cs:effectRef idx="0"/>
-    <cs:fontRef idx="minor">
-      <a:schemeClr val="tx1">
-        <a:lumMod val="75000"/>
-        <a:lumOff val="25000"/>
-      </a:schemeClr>
-    </cs:fontRef>
-    <cs:defRPr sz="1197" kern="1200"/>
-  </cs:dataLabel>
-  <cs:dataLabelCallout>
-    <cs:lnRef idx="0"/>
-    <cs:fillRef idx="0"/>
-    <cs:effectRef idx="0"/>
-    <cs:fontRef idx="minor">
-      <a:schemeClr val="dk1">
-        <a:lumMod val="65000"/>
-        <a:lumOff val="35000"/>
-      </a:schemeClr>
-    </cs:fontRef>
-    <cs:spPr>
-      <a:solidFill>
-        <a:schemeClr val="lt1"/>
-      </a:solidFill>
-      <a:ln>
-        <a:solidFill>
-          <a:schemeClr val="dk1">
-            <a:lumMod val="25000"/>
-            <a:lumOff val="75000"/>
-          </a:schemeClr>
-        </a:solidFill>
-      </a:ln>
-    </cs:spPr>
-    <cs:defRPr sz="1197" kern="1200"/>
-    <cs:bodyPr rot="0" spcFirstLastPara="1" vertOverflow="clip" horzOverflow="clip" vert="horz" wrap="square" lIns="36576" tIns="18288" rIns="36576" bIns="18288" anchor="ctr" anchorCtr="1">
-      <a:spAutoFit/>
-    </cs:bodyPr>
-  </cs:dataLabelCallout>
-  <cs:dataPoint>
-    <cs:lnRef idx="0"/>
-    <cs:fillRef idx="1">
-      <cs:styleClr val="auto"/>
-    </cs:fillRef>
-    <cs:effectRef idx="0"/>
-    <cs:fontRef idx="minor">
-      <a:schemeClr val="tx1"/>
-    </cs:fontRef>
-    <cs:spPr>
-      <a:ln w="19050">
-        <a:solidFill>
-          <a:schemeClr val="lt1"/>
-        </a:solidFill>
-      </a:ln>
-    </cs:spPr>
-  </cs:dataPoint>
-  <cs:dataPoint3D>
-    <cs:lnRef idx="0"/>
-    <cs:fillRef idx="1">
-      <cs:styleClr val="auto"/>
-    </cs:fillRef>
-    <cs:effectRef idx="0"/>
-    <cs:fontRef idx="minor">
-      <a:schemeClr val="tx1"/>
-    </cs:fontRef>
-    <cs:spPr>
-      <a:ln w="25400">
-        <a:solidFill>
-          <a:schemeClr val="lt1"/>
-        </a:solidFill>
-      </a:ln>
-    </cs:spPr>
-  </cs:dataPoint3D>
-  <cs:dataPointLine>
-    <cs:lnRef idx="0">
-      <cs:styleClr val="auto"/>
-    </cs:lnRef>
-    <cs:fillRef idx="0"/>
-    <cs:effectRef idx="0"/>
-    <cs:fontRef idx="minor">
-      <a:schemeClr val="tx1"/>
-    </cs:fontRef>
-    <cs:spPr>
-      <a:ln w="28575" cap="rnd">
-        <a:solidFill>
-          <a:schemeClr val="phClr"/>
-        </a:solidFill>
-        <a:round/>
-      </a:ln>
-    </cs:spPr>
-  </cs:dataPointLine>
-  <cs:dataPointMarker>
-    <cs:lnRef idx="0">
-      <cs:styleClr val="auto"/>
-    </cs:lnRef>
-    <cs:fillRef idx="1">
-      <cs:styleClr val="auto"/>
-    </cs:fillRef>
-    <cs:effectRef idx="0"/>
-    <cs:fontRef idx="minor">
-      <a:schemeClr val="tx1"/>
-    </cs:fontRef>
-    <cs:spPr>
-      <a:ln w="9525">
-        <a:solidFill>
-          <a:schemeClr val="phClr"/>
-        </a:solidFill>
-      </a:ln>
-    </cs:spPr>
-  </cs:dataPointMarker>
-  <cs:dataPointMarkerLayout symbol="circle" size="5"/>
-  <cs:dataPointWireframe>
-    <cs:lnRef idx="0">
-      <cs:styleClr val="auto"/>
-    </cs:lnRef>
-    <cs:fillRef idx="0"/>
-    <cs:effectRef idx="0"/>
-    <cs:fontRef idx="minor">
-      <a:schemeClr val="tx1"/>
-    </cs:fontRef>
-    <cs:spPr>
-      <a:ln w="9525" cap="rnd">
-        <a:solidFill>
-          <a:schemeClr val="phClr"/>
-        </a:solidFill>
-        <a:round/>
-      </a:ln>
-    </cs:spPr>
-  </cs:dataPointWireframe>
-  <cs:dataTable>
-    <cs:lnRef idx="0"/>
-    <cs:fillRef idx="0"/>
-    <cs:effectRef idx="0"/>
-    <cs:fontRef idx="minor">
-      <a:schemeClr val="tx1">
-        <a:lumMod val="65000"/>
-        <a:lumOff val="35000"/>
-      </a:schemeClr>
-    </cs:fontRef>
-    <cs:spPr>
-      <a:noFill/>
-      <a:ln w="9525" cap="flat" cmpd="sng" algn="ctr">
-        <a:solidFill>
-          <a:schemeClr val="tx1">
-            <a:lumMod val="15000"/>
-            <a:lumOff val="85000"/>
-          </a:schemeClr>
-        </a:solidFill>
-        <a:round/>
-      </a:ln>
-    </cs:spPr>
-    <cs:defRPr sz="1197" kern="1200"/>
-  </cs:dataTable>
-  <cs:downBar>
-    <cs:lnRef idx="0"/>
-    <cs:fillRef idx="0"/>
-    <cs:effectRef idx="0"/>
-    <cs:fontRef idx="minor">
-      <a:schemeClr val="tx1"/>
-    </cs:fontRef>
-    <cs:spPr>
-      <a:solidFill>
-        <a:schemeClr val="dk1">
-          <a:lumMod val="75000"/>
-          <a:lumOff val="25000"/>
-        </a:schemeClr>
-      </a:solidFill>
-      <a:ln w="9525" cap="flat" cmpd="sng" algn="ctr">
-        <a:solidFill>
-          <a:schemeClr val="tx1">
-            <a:lumMod val="65000"/>
-            <a:lumOff val="35000"/>
-          </a:schemeClr>
-        </a:solidFill>
-        <a:round/>
-      </a:ln>
-    </cs:spPr>
-  </cs:downBar>
-  <cs:dropLine>
-    <cs:lnRef idx="0"/>
-    <cs:fillRef idx="0"/>
-    <cs:effectRef idx="0"/>
-    <cs:fontRef idx="minor">
-      <a:schemeClr val="tx1"/>
-    </cs:fontRef>
-    <cs:spPr>
-      <a:ln w="9525" cap="flat" cmpd="sng" algn="ctr">
-        <a:solidFill>
-          <a:schemeClr val="tx1">
-            <a:lumMod val="35000"/>
-            <a:lumOff val="65000"/>
-          </a:schemeClr>
-        </a:solidFill>
-        <a:round/>
-      </a:ln>
-    </cs:spPr>
-  </cs:dropLine>
-  <cs:errorBar>
-    <cs:lnRef idx="0"/>
-    <cs:fillRef idx="0"/>
-    <cs:effectRef idx="0"/>
-    <cs:fontRef idx="minor">
-      <a:schemeClr val="tx1"/>
-    </cs:fontRef>
-    <cs:spPr>
-      <a:ln w="9525" cap="flat" cmpd="sng" algn="ctr">
-        <a:solidFill>
-          <a:schemeClr val="tx1">
-            <a:lumMod val="65000"/>
-            <a:lumOff val="35000"/>
-          </a:schemeClr>
-        </a:solidFill>
-        <a:round/>
-      </a:ln>
-    </cs:spPr>
-  </cs:errorBar>
-  <cs:floor>
-    <cs:lnRef idx="0"/>
-    <cs:fillRef idx="0"/>
-    <cs:effectRef idx="0"/>
-    <cs:fontRef idx="minor">
-      <a:schemeClr val="tx1"/>
-    </cs:fontRef>
-    <cs:spPr>
-      <a:noFill/>
-      <a:ln>
-        <a:noFill/>
-      </a:ln>
-    </cs:spPr>
-  </cs:floor>
-  <cs:gridlineMajor>
-    <cs:lnRef idx="0"/>
-    <cs:fillRef idx="0"/>
-    <cs:effectRef idx="0"/>
-    <cs:fontRef idx="minor">
-      <a:schemeClr val="tx1"/>
-    </cs:fontRef>
-    <cs:spPr>
-      <a:ln w="9525" cap="flat" cmpd="sng" algn="ctr">
-        <a:solidFill>
-          <a:schemeClr val="tx1">
-            <a:lumMod val="15000"/>
-            <a:lumOff val="85000"/>
-          </a:schemeClr>
-        </a:solidFill>
-        <a:round/>
-      </a:ln>
-    </cs:spPr>
-  </cs:gridlineMajor>
-  <cs:gridlineMinor>
-    <cs:lnRef idx="0"/>
-    <cs:fillRef idx="0"/>
-    <cs:effectRef idx="0"/>
-    <cs:fontRef idx="minor">
-      <a:schemeClr val="tx1"/>
-    </cs:fontRef>
-    <cs:spPr>
-      <a:ln w="9525" cap="flat" cmpd="sng" algn="ctr">
-        <a:solidFill>
-          <a:schemeClr val="tx1">
-            <a:lumMod val="5000"/>
-            <a:lumOff val="95000"/>
-          </a:schemeClr>
-        </a:solidFill>
-        <a:round/>
-      </a:ln>
-    </cs:spPr>
-  </cs:gridlineMinor>
-  <cs:hiLoLine>
-    <cs:lnRef idx="0"/>
-    <cs:fillRef idx="0"/>
-    <cs:effectRef idx="0"/>
-    <cs:fontRef idx="minor">
-      <a:schemeClr val="tx1"/>
-    </cs:fontRef>
-    <cs:spPr>
-      <a:ln w="9525" cap="flat" cmpd="sng" algn="ctr">
-        <a:solidFill>
-          <a:schemeClr val="tx1">
-            <a:lumMod val="50000"/>
-            <a:lumOff val="50000"/>
-          </a:schemeClr>
-        </a:solidFill>
-        <a:round/>
-      </a:ln>
-    </cs:spPr>
-  </cs:hiLoLine>
-  <cs:leaderLine>
-    <cs:lnRef idx="0"/>
-    <cs:fillRef idx="0"/>
-    <cs:effectRef idx="0"/>
-    <cs:fontRef idx="minor">
-      <a:schemeClr val="tx1"/>
-    </cs:fontRef>
-    <cs:spPr>
-      <a:ln w="9525" cap="flat" cmpd="sng" algn="ctr">
-        <a:solidFill>
-          <a:schemeClr val="tx1">
-            <a:lumMod val="35000"/>
-            <a:lumOff val="65000"/>
-          </a:schemeClr>
-        </a:solidFill>
-        <a:round/>
-      </a:ln>
-    </cs:spPr>
-  </cs:leaderLine>
-  <cs:legend>
-    <cs:lnRef idx="0"/>
-    <cs:fillRef idx="0"/>
-    <cs:effectRef idx="0"/>
-    <cs:fontRef idx="minor">
-      <a:schemeClr val="tx1">
-        <a:lumMod val="65000"/>
-        <a:lumOff val="35000"/>
-      </a:schemeClr>
-    </cs:fontRef>
-    <cs:defRPr sz="1197" kern="1200"/>
-  </cs:legend>
-  <cs:plotArea mods="allowNoFillOverride allowNoLineOverride">
-    <cs:lnRef idx="0"/>
-    <cs:fillRef idx="0"/>
-    <cs:effectRef idx="0"/>
-    <cs:fontRef idx="minor">
-      <a:schemeClr val="tx1"/>
-    </cs:fontRef>
-  </cs:plotArea>
-  <cs:plotArea3D mods="allowNoFillOverride allowNoLineOverride">
-    <cs:lnRef idx="0"/>
-    <cs:fillRef idx="0"/>
-    <cs:effectRef idx="0"/>
-    <cs:fontRef idx="minor">
-      <a:schemeClr val="tx1"/>
-    </cs:fontRef>
-  </cs:plotArea3D>
-  <cs:seriesAxis>
-    <cs:lnRef idx="0"/>
-    <cs:fillRef idx="0"/>
-    <cs:effectRef idx="0"/>
-    <cs:fontRef idx="minor">
-      <a:schemeClr val="tx1">
-        <a:lumMod val="65000"/>
-        <a:lumOff val="35000"/>
-      </a:schemeClr>
-    </cs:fontRef>
-    <cs:defRPr sz="1197" kern="1200"/>
-  </cs:seriesAxis>
-  <cs:seriesLine>
-    <cs:lnRef idx="0"/>
-    <cs:fillRef idx="0"/>
-    <cs:effectRef idx="0"/>
-    <cs:fontRef idx="minor">
-      <a:schemeClr val="tx1"/>
-    </cs:fontRef>
-    <cs:spPr>
-      <a:ln w="9525" cap="flat" cmpd="sng" algn="ctr">
-        <a:solidFill>
-          <a:schemeClr val="tx1">
-            <a:lumMod val="35000"/>
-            <a:lumOff val="65000"/>
-          </a:schemeClr>
-        </a:solidFill>
-        <a:round/>
-      </a:ln>
-    </cs:spPr>
-  </cs:seriesLine>
-  <cs:title>
-    <cs:lnRef idx="0"/>
-    <cs:fillRef idx="0"/>
-    <cs:effectRef idx="0"/>
-    <cs:fontRef idx="minor">
-      <a:schemeClr val="tx1">
-        <a:lumMod val="65000"/>
-        <a:lumOff val="35000"/>
-      </a:schemeClr>
-    </cs:fontRef>
-    <cs:defRPr sz="1862" b="0" kern="1200" spc="0" baseline="0"/>
-  </cs:title>
-  <cs:trendline>
-    <cs:lnRef idx="0">
-      <cs:styleClr val="auto"/>
-    </cs:lnRef>
-    <cs:fillRef idx="0"/>
-    <cs:effectRef idx="0"/>
-    <cs:fontRef idx="minor">
-      <a:schemeClr val="tx1"/>
-    </cs:fontRef>
-    <cs:spPr>
-      <a:ln w="19050" cap="rnd">
-        <a:solidFill>
-          <a:schemeClr val="phClr"/>
-        </a:solidFill>
-        <a:prstDash val="sysDot"/>
-      </a:ln>
-    </cs:spPr>
-  </cs:trendline>
-  <cs:trendlineLabel>
-    <cs:lnRef idx="0"/>
-    <cs:fillRef idx="0"/>
-    <cs:effectRef idx="0"/>
-    <cs:fontRef idx="minor">
-      <a:schemeClr val="tx1">
-        <a:lumMod val="65000"/>
-        <a:lumOff val="35000"/>
-      </a:schemeClr>
-    </cs:fontRef>
-    <cs:defRPr sz="1197" kern="1200"/>
-  </cs:trendlineLabel>
-  <cs:upBar>
-    <cs:lnRef idx="0"/>
-    <cs:fillRef idx="0"/>
-    <cs:effectRef idx="0"/>
-    <cs:fontRef idx="minor">
-      <a:schemeClr val="tx1"/>
-    </cs:fontRef>
-    <cs:spPr>
-      <a:solidFill>
-        <a:schemeClr val="lt1"/>
-      </a:solidFill>
-      <a:ln w="9525" cap="flat" cmpd="sng" algn="ctr">
-        <a:solidFill>
-          <a:schemeClr val="tx1">
-            <a:lumMod val="65000"/>
-            <a:lumOff val="35000"/>
-          </a:schemeClr>
-        </a:solidFill>
-        <a:round/>
-      </a:ln>
-    </cs:spPr>
-  </cs:upBar>
-  <cs:valueAxis>
-    <cs:lnRef idx="0"/>
-    <cs:fillRef idx="0"/>
-    <cs:effectRef idx="0"/>
-    <cs:fontRef idx="minor">
-      <a:schemeClr val="tx1">
-        <a:lumMod val="65000"/>
-        <a:lumOff val="35000"/>
-      </a:schemeClr>
-    </cs:fontRef>
-    <cs:defRPr sz="1197" kern="1200"/>
-  </cs:valueAxis>
-  <cs:wall>
-    <cs:lnRef idx="0"/>
-    <cs:fillRef idx="0"/>
-    <cs:effectRef idx="0"/>
-    <cs:fontRef idx="minor">
-      <a:schemeClr val="tx1"/>
-    </cs:fontRef>
-    <cs:spPr>
-      <a:noFill/>
-      <a:ln>
-        <a:noFill/>
-      </a:ln>
-    </cs:spPr>
-  </cs:wall>
-</cs:chartStyle>
 </file>
 
 <file path=ppt/slideLayouts/slideLayout1.xml><?xml version="1.0" encoding="utf-8"?>
@@ -1104,7 +546,7 @@
           <a:p>
             <a:fld id="{92327116-743B-4E3E-849B-661D53F071C6}" type="datetimeFigureOut">
               <a:rPr lang="en-150" smtClean="0"/>
-              <a:t>28/11/2023</a:t>
+              <a:t>12/12/2023</a:t>
             </a:fld>
             <a:endParaRPr lang="en-150" dirty="0"/>
           </a:p>
@@ -1304,7 +746,7 @@
           <a:p>
             <a:fld id="{92327116-743B-4E3E-849B-661D53F071C6}" type="datetimeFigureOut">
               <a:rPr lang="en-150" smtClean="0"/>
-              <a:t>28/11/2023</a:t>
+              <a:t>12/12/2023</a:t>
             </a:fld>
             <a:endParaRPr lang="en-150" dirty="0"/>
           </a:p>
@@ -1514,7 +956,7 @@
           <a:p>
             <a:fld id="{92327116-743B-4E3E-849B-661D53F071C6}" type="datetimeFigureOut">
               <a:rPr lang="en-150" smtClean="0"/>
-              <a:t>28/11/2023</a:t>
+              <a:t>12/12/2023</a:t>
             </a:fld>
             <a:endParaRPr lang="en-150" dirty="0"/>
           </a:p>
@@ -1714,7 +1156,7 @@
           <a:p>
             <a:fld id="{92327116-743B-4E3E-849B-661D53F071C6}" type="datetimeFigureOut">
               <a:rPr lang="en-150" smtClean="0"/>
-              <a:t>28/11/2023</a:t>
+              <a:t>12/12/2023</a:t>
             </a:fld>
             <a:endParaRPr lang="en-150" dirty="0"/>
           </a:p>
@@ -1990,7 +1432,7 @@
           <a:p>
             <a:fld id="{92327116-743B-4E3E-849B-661D53F071C6}" type="datetimeFigureOut">
               <a:rPr lang="en-150" smtClean="0"/>
-              <a:t>28/11/2023</a:t>
+              <a:t>12/12/2023</a:t>
             </a:fld>
             <a:endParaRPr lang="en-150" dirty="0"/>
           </a:p>
@@ -2258,7 +1700,7 @@
           <a:p>
             <a:fld id="{92327116-743B-4E3E-849B-661D53F071C6}" type="datetimeFigureOut">
               <a:rPr lang="en-150" smtClean="0"/>
-              <a:t>28/11/2023</a:t>
+              <a:t>12/12/2023</a:t>
             </a:fld>
             <a:endParaRPr lang="en-150" dirty="0"/>
           </a:p>
@@ -2673,7 +2115,7 @@
           <a:p>
             <a:fld id="{92327116-743B-4E3E-849B-661D53F071C6}" type="datetimeFigureOut">
               <a:rPr lang="en-150" smtClean="0"/>
-              <a:t>28/11/2023</a:t>
+              <a:t>12/12/2023</a:t>
             </a:fld>
             <a:endParaRPr lang="en-150" dirty="0"/>
           </a:p>
@@ -2815,7 +2257,7 @@
           <a:p>
             <a:fld id="{92327116-743B-4E3E-849B-661D53F071C6}" type="datetimeFigureOut">
               <a:rPr lang="en-150" smtClean="0"/>
-              <a:t>28/11/2023</a:t>
+              <a:t>12/12/2023</a:t>
             </a:fld>
             <a:endParaRPr lang="en-150" dirty="0"/>
           </a:p>
@@ -2928,7 +2370,7 @@
           <a:p>
             <a:fld id="{92327116-743B-4E3E-849B-661D53F071C6}" type="datetimeFigureOut">
               <a:rPr lang="en-150" smtClean="0"/>
-              <a:t>28/11/2023</a:t>
+              <a:t>12/12/2023</a:t>
             </a:fld>
             <a:endParaRPr lang="en-150" dirty="0"/>
           </a:p>
@@ -3241,7 +2683,7 @@
           <a:p>
             <a:fld id="{92327116-743B-4E3E-849B-661D53F071C6}" type="datetimeFigureOut">
               <a:rPr lang="en-150" smtClean="0"/>
-              <a:t>28/11/2023</a:t>
+              <a:t>12/12/2023</a:t>
             </a:fld>
             <a:endParaRPr lang="en-150" dirty="0"/>
           </a:p>
@@ -3530,7 +2972,7 @@
           <a:p>
             <a:fld id="{92327116-743B-4E3E-849B-661D53F071C6}" type="datetimeFigureOut">
               <a:rPr lang="en-150" smtClean="0"/>
-              <a:t>28/11/2023</a:t>
+              <a:t>12/12/2023</a:t>
             </a:fld>
             <a:endParaRPr lang="en-150" dirty="0"/>
           </a:p>
@@ -3773,7 +3215,7 @@
           <a:p>
             <a:fld id="{92327116-743B-4E3E-849B-661D53F071C6}" type="datetimeFigureOut">
               <a:rPr lang="en-150" smtClean="0"/>
-              <a:t>28/11/2023</a:t>
+              <a:t>12/12/2023</a:t>
             </a:fld>
             <a:endParaRPr lang="en-150" dirty="0"/>
           </a:p>
@@ -4325,7 +3767,7 @@
                   <a:schemeClr val="bg1"/>
                 </a:solidFill>
               </a:rPr>
-              <a:t>This a report that accompanies the dashboard I made.</a:t>
+              <a:t>This is a report that accompanies the dashboard I made.</a:t>
             </a:r>
           </a:p>
           <a:p>
@@ -5646,8 +5088,8 @@
           </a:graphicData>
         </a:graphic>
       </p:graphicFrame>
-      <mc:AlternateContent xmlns:mc="http://schemas.openxmlformats.org/markup-compatibility/2006">
-        <mc:Choice xmlns:we="http://schemas.microsoft.com/office/webextensions/webextension/2010/11" xmlns:pca="http://schemas.microsoft.com/office/powerpoint/2013/contentapp" Requires="we pca">
+      <mc:AlternateContent xmlns:mc="http://schemas.openxmlformats.org/markup-compatibility/2006" xmlns:we="http://schemas.microsoft.com/office/webextensions/webextension/2010/11" xmlns:pca="http://schemas.microsoft.com/office/powerpoint/2013/contentapp">
+        <mc:Choice Requires="we pca">
           <p:graphicFrame>
             <p:nvGraphicFramePr>
               <p:cNvPr id="10" name="Add-in 9" title="Microsoft Power BI">
@@ -5679,7 +5121,7 @@
             </a:graphic>
           </p:graphicFrame>
         </mc:Choice>
-        <mc:Fallback>
+        <mc:Fallback xmlns="">
           <p:pic>
             <p:nvPicPr>
               <p:cNvPr id="10" name="Add-in 9" title="Microsoft Power BI">
@@ -6595,23 +6037,23 @@
     <we:reference id="wa200003233" version="2.0.0.3" store="wa200003233" storeType="OMEX"/>
   </we:alternateReferences>
   <we:properties>
-    <we:property name="reportUrl" value="&quot;/groups/me/reports/cc7a2c2e-8d1d-410f-872c-236e5a11f294/ReportSection?ctid=237cdfa0-ef1e-4015-984e-b5534c8a56ca&amp;pbi_source=shareVisual&amp;visual=895033b2ca6ecb009069&amp;height=144.00&amp;width=192.00&amp;bookmarkGuid=c55b526d-594c-4b86-8736-68730c6fe778&amp;fromEntryPoint=sharevisual&quot;"/>
     <we:property name="artifactName" value="&quot;Loss vs Last Month&quot;"/>
+    <we:property name="backgroundColor" value="&quot;#F4F4F4&quot;"/>
+    <we:property name="bookmark" value="&quot;H4sIAAAAAAAAA+VabW/bNhD+K4a+9Is7UO9yvrVpixVLii4JMgxDUJzIk81GlgSRSucF+e87SnIix+9uZmdJYCAWX47PHXkP706+tYRURQqTLzBG68h6n+fXYyive7bVt7LZNp85cYiByxzOBix2Ejf2aFReaJlnyjq6tTSUQ9SXUlWQGoHU+NdV34I0/QpD85RAqrBvFViqPINU/oPNYOrSZYV3fQv/LtK8BCPyXINGI/aGhtMzQbF/cWlF4Fre4Dly3bSeYZGXevrct1TzrYY022eE1Qse55kGmZFg0yY8G/2YFPN9zjCOIwy4aU9kqtsh8eTj30VJ+txOzfKp7oxi8O3QCwHcABkbQMxCgqAnhRlzTBoM81JySKmxEWekXU41cvrWpzIf13LbLSho5MdMSz2hh69lLiquFbVd1CLZHRn0jxGWWM8hPYScqvYl1+afAYpKtY2fs9k21c5Lq3E2P/o8r0qOZ5g8PNSQ7mhrCAttXA2raGB9i0vIBHUSpktIq3rDSfqJJD1JZaOpaaYZWZWmZuDVnfm7ana6s/BGgObNsgZX3xrlP45LpG0Qxnb92+nOvBM3kHFqfQzkFEFVJW6K5IJWUtCet0doLnINae8cUlTPBAs1JFIfHEwDo3dKdCGzvaA5Q12V80Ca5t6ZIZp5GOaUKpkN05alHuij8UWrkDe5voA4RcOD8Xc0R/LolqblpcDy/aT2tQ+ynNIPufvHfRnVOGXDlNTzvUuJ+Y8tSGBrnzNWay8VM3+cC2OqkRQCa1h9a5A43OYYA49YBAxAMG853T5Dh52l9Vk4v0qivpKPJid4g+k8qvv+TQGf67xs8XTmWso0f+N5lely0nvoMePapWmD694XoUsTDbwETY6NhB3YZgzFY5pZ6N+tHRryeU6KT7dwPUP4wgc78Z3IiQLb9TkPoA7IVtpHjinIfGyh1evYAhIHwaHIzfHQ9gKHBS+Gibaj92NaKxNQPkZCm1bqXp70TilkHh08dDgBpRsoS62z1pGuC7ndMWGJiBjEtuOHIQ8YZ4KvyA/2tjVix7BFpZJTHtI1gTVGSt3MlyFmTexOmhTNWhLVg7az31YlMrybyNzrsEki844CCfp3golurDUuoJRqarvp02/SjHP6nYHbZDV8qT3P5HBUC1yQyJhBWo7xjT0YhG+ZTZ8Lxo7qzxtzXLrzVyN3D4d8sBB5nZk1kSMNhgVnQBk2+NDm5Vif+N2sRB6RiS0FRW9t5607J6hx2JVS3rxH/QMxa9W8ulseotuPQ/Qn9dWlQfl9+vzEC66/a6OBz1w3djgEyGPGBiwY7O0OXJKXNdffSa7Ua7z/lhilc/Uttcz2d5+REcAgiJMIvMjlru1H5LNs9yPwEyHnVNtLosmmBthS3g572N5C96KsxYzZDWINHy2JXf/EVuyes4/na5H1/vDqTPJ7RVyBq8/J63KbD7C6+vAMSp/rw2UN/BrFO5pyPKIN3msS/ny3dsqIL1S9ji+/UA2nBL4+RORJ7McQs8B10AsEQ4+7ewsRV7n2GamSVdi7qF88HpxpOhFai2wXvhlCNV/HOsALhYXa1LnhmppaQFGkF9mCOZHjezadmrWH5TXF8c191O08fEKxHM1/UE3DJHQjDF1HUJ4xiOPIWXFAZt62B54Xuhj5MY/CMIzc0Ivh5962q26Rqq1tH/Rd+9wuzVTWD/CuvVPwX4HqaYuQS6pPG1V6QEneVoak+pzd0HQU55g2lHm6XoT5JUqnTvS05ZrNrLn+SsbESZCDGwbOgEWe76KIXifL/m9+9dCh292TkS3Ztj4rizwsr7QqgONXyHCBp5ERIBMo1rhK/Xuu5kASSml+CLHhhLbS/C/8V38GgCYAAA==&quot;"/>
+    <we:property name="creatorSessionId" value="&quot;cf3a93bf-496a-4f99-8c59-068c56b7007a&quot;"/>
+    <we:property name="creatorTenantId" value="&quot;237cdfa0-ef1e-4015-984e-b5534c8a56ca&quot;"/>
+    <we:property name="creatorUserId" value="&quot;1003200304A80623&quot;"/>
+    <we:property name="datasetId" value="&quot;ddd29994-f239-4f2b-84a9-6ac2364c5666&quot;"/>
+    <we:property name="embedUrl" value="&quot;/reportEmbed?reportId=cc7a2c2e-8d1d-410f-872c-236e5a11f294&amp;config=eyJjbHVzdGVyVXJsIjoiaHR0cHM6Ly9XQUJJLVNPVVRILUFGUklDQS1OT1JUSC1BLVBSSU1BUlktcmVkaXJlY3QuYW5hbHlzaXMud2luZG93cy5uZXQiLCJlbWJlZEZlYXR1cmVzIjp7InVzYWdlTWV0cmljc1ZOZXh0Ijp0cnVlfX0%3D&amp;disableSensitivityBanner=true&quot;"/>
+    <we:property name="initialStateBookmark" value="&quot;H4sIAAAAAAAAA+VabU/bSBD+K5G/8CU9rd8dvlFKdRXQ9gLidDqharw7TrY4tmWvaXMo//1mbQcc8kZSLuEARSLel9lnZneenRnnzhCyyGIYf4YRGofG+zS9GUF+0zGNrpE0bV++nJ4f9U+/fT46P6HmNFMyTQrj8M5QkA9QXcmihFhLoMa/r7sGxPFXGOinCOICu0aGeZEmEMt/sB5MXSovcdI18GcWpzlokRcKFGqxtzScnmlt8zebVgSu5C1eIFd1ax+zNFfT565R1N8qSLN9Wli14HGaKJAJCdZtwjHRDW1muS5nGIYBely3RzJWzZBwfPIzy0mfu6kdPladQQiu6Ts+gO0hYz0ImU8Q1DjTY45Jg0GaSw4xNdbitLSrqUZW1/iYp6NKbmPzjEaeJEqqMT18zVNRclVQ22Ulkk3IoH8OMcdqDukh5FS1z6nS/zRQLIqm8VMy21Y08+JylMyPvkjLnGMfo4eHCtKEtoaw0MZVsLIa1rcwh0RQJ2G6grisNpykn0nSk1TWmupmmpGUcawHXk/033W9062FnwRo3ixrcHWNYfrjOEfaBqFt172b7syRuIWEU+tjIOcIRZnjU5Fc0koFNOftEZrLVEHcuYAYixeChRoiqfYOpobROSe6kMlO0PRRlfk8kLq509dEMw9Dn9JCJoO4YakH+qh90cjkbaouIYxR82D4HfWRPLyjaWkuMH8/rnztg8yn9EPufrIro2qnrJmSer63KTH9sQEJbOxz2mrNLaLnj1KhTTWUQmAFq2v0IoubHEPgAQuAAQjmLKfbF+iws7Q+C+d3SdSX8+H4DG8xnkd13/9UwBcqzRs8rblGoZu/8bRMVD7uPPTocc3StMFV76vQpY4GXoMmx1rCFmwzguwxzSz078YONfm8JMWnW7ieIVzhghm5VmAFnmm7nHtQBWQr7SNHFGQ+ttDqdUwBkYVgUeRmOWg6nsW8V8NEm9H7Ma2VCMgfI6FNy1UnjTrnFDIP9x46nEGhaihLrbPWkW4yudkxYZEIGISm5fo+9xhngq/ID3a2NWLLsKWIJac8pG0CY4SUuukvA0zq2J00yeq1JBYP2s5+W5XI8HYic6/DUxKZIwok6N8ZRqq21iiDXBZT202fTqUeZ3VbAzfJavhSe/blYFgJXJDI6EFKjvDA7PX8d8ykzyVjh9XnQB+X9vzVyO39Ie8tRF5lZnXkSINhwRkoNBt8aPJyrE78dlYij0jEhoKCd6b1zp4TVDvsSikH71H9QEwaNa8ny0N083GI/qy+ujQov0+fn3nB9Xdt0HOZbYcWBw95yFiPeb2d3YFL8rL6+jtLi+It3n9LjNK6+pZaZvO7T8vwoOeFUQBOYHPbdAPyWbb9EfiFkHOq7RXRZF0DbChviz1sbqF7UcZixmwHsZqPlsSuf2EjdsfZx8u1yHp/eHMm+aMkrsDV5+Rtuc0HWF19eAGlz/XhsgJ+g+KIphwPaYN3moS/3K2dMuIrVa/ly69UwymBrw8ReRS6IYTMsy10PMHQ4fbOQsRVrt0nVZISO5fVi8e9M00rQmuQbcM3Ayjn61h7eKGwUJsqN1xTU/MoinQCUzArsFzHpFOz9rC8pTi+vo/anftPKJaj+Q+qaRj5doC+bQnKM3phGFgrDsjM23bPcXwbAzfkge/7ge07Ifza2/aiXaRqatt7fdc+t0szlfU9vGtvFfxXoHreIuSS6tOTKj1QSN5UhmTxKbml6SguMK4p83y9CP1LlFad6HnLNU+z5vorGSMrQg6271k9FjiujSJ4myz7v/nVQ4tut09GNmTb6qws8rC0VEUGHL9Cggs8jYwAiUCxxlWq33PVB5JQSv1DiA18azL5FyT5PE9wJgAA&quot;"/>
+    <we:property name="isFiltersActionButtonVisible" value="true"/>
+    <we:property name="isFooterCollapsed" value="true"/>
+    <we:property name="pageDisplayName" value="&quot;Dashboard&quot;"/>
+    <we:property name="pageName" value="&quot;ReportSection&quot;"/>
+    <we:property name="reportEmbeddedTime" value="&quot;2023-11-28T20:28:11.694Z&quot;"/>
     <we:property name="reportName" value="&quot;MM_Dashboard&quot;"/>
     <we:property name="reportState" value="&quot;CONNECTED&quot;"/>
-    <we:property name="embedUrl" value="&quot;/reportEmbed?reportId=cc7a2c2e-8d1d-410f-872c-236e5a11f294&amp;config=eyJjbHVzdGVyVXJsIjoiaHR0cHM6Ly9XQUJJLVNPVVRILUFGUklDQS1OT1JUSC1BLVBSSU1BUlktcmVkaXJlY3QuYW5hbHlzaXMud2luZG93cy5uZXQiLCJlbWJlZEZlYXR1cmVzIjp7InVzYWdlTWV0cmljc1ZOZXh0Ijp0cnVlfX0%3D&amp;disableSensitivityBanner=true&quot;"/>
-    <we:property name="pageName" value="&quot;ReportSection&quot;"/>
-    <we:property name="pageDisplayName" value="&quot;Dashboard&quot;"/>
-    <we:property name="datasetId" value="&quot;ddd29994-f239-4f2b-84a9-6ac2364c5666&quot;"/>
-    <we:property name="backgroundColor" value="&quot;#F4F4F4&quot;"/>
-    <we:property name="bookmark" value="&quot;H4sIAAAAAAAAA+VabW/bNhD+K4a+9Is7UO9yvrVpixVLii4JMgxDUJzIk81GlgSRSucF+e87SnIix+9uZmdJYCAWX47PHXkP706+tYRURQqTLzBG68h6n+fXYyive7bVt7LZNp85cYiByxzOBix2Ejf2aFReaJlnyjq6tTSUQ9SXUlWQGoHU+NdV34I0/QpD85RAqrBvFViqPINU/oPNYOrSZYV3fQv/LtK8BCPyXINGI/aGhtMzQbF/cWlF4Fre4Dly3bSeYZGXevrct1TzrYY022eE1Qse55kGmZFg0yY8G/2YFPN9zjCOIwy4aU9kqtsh8eTj30VJ+txOzfKp7oxi8O3QCwHcABkbQMxCgqAnhRlzTBoM81JySKmxEWekXU41cvrWpzIf13LbLSho5MdMSz2hh69lLiquFbVd1CLZHRn0jxGWWM8hPYScqvYl1+afAYpKtY2fs9k21c5Lq3E2P/o8r0qOZ5g8PNSQ7mhrCAttXA2raGB9i0vIBHUSpktIq3rDSfqJJD1JZaOpaaYZWZWmZuDVnfm7ana6s/BGgObNsgZX3xrlP45LpG0Qxnb92+nOvBM3kHFqfQzkFEFVJW6K5IJWUtCet0doLnINae8cUlTPBAs1JFIfHEwDo3dKdCGzvaA5Q12V80Ca5t6ZIZp5GOaUKpkN05alHuij8UWrkDe5voA4RcOD8Xc0R/LolqblpcDy/aT2tQ+ynNIPufvHfRnVOGXDlNTzvUuJ+Y8tSGBrnzNWay8VM3+cC2OqkRQCa1h9a5A43OYYA49YBAxAMG853T5Dh52l9Vk4v0qivpKPJid4g+k8qvv+TQGf67xs8XTmWso0f+N5lely0nvoMePapWmD694XoUsTDbwETY6NhB3YZgzFY5pZ6N+tHRryeU6KT7dwPUP4wgc78Z3IiQLb9TkPoA7IVtpHjinIfGyh1evYAhIHwaHIzfHQ9gKHBS+Gibaj92NaKxNQPkZCm1bqXp70TilkHh08dDgBpRsoS62z1pGuC7ndMWGJiBjEtuOHIQ8YZ4KvyA/2tjVix7BFpZJTHtI1gTVGSt3MlyFmTexOmhTNWhLVg7az31YlMrybyNzrsEki844CCfp3golurDUuoJRqarvp02/SjHP6nYHbZDV8qT3P5HBUC1yQyJhBWo7xjT0YhG+ZTZ8Lxo7qzxtzXLrzVyN3D4d8sBB5nZk1kSMNhgVnQBk2+NDm5Vif+N2sRB6RiS0FRW9t5607J6hx2JVS3rxH/QMxa9W8ulseotuPQ/Qn9dWlQfl9+vzEC66/a6OBz1w3djgEyGPGBiwY7O0OXJKXNdffSa7Ua7z/lhilc/Uttcz2d5+REcAgiJMIvMjlru1H5LNs9yPwEyHnVNtLosmmBthS3g572N5C96KsxYzZDWINHy2JXf/EVuyes4/na5H1/vDqTPJ7RVyBq8/J63KbD7C6+vAMSp/rw2UN/BrFO5pyPKIN3msS/ny3dsqIL1S9ji+/UA2nBL4+RORJ7McQs8B10AsEQ4+7ewsRV7n2GamSVdi7qF88HpxpOhFai2wXvhlCNV/HOsALhYXa1LnhmppaQFGkF9mCOZHjezadmrWH5TXF8c191O08fEKxHM1/UE3DJHQjDF1HUJ4xiOPIWXFAZt62B54Xuhj5MY/CMIzc0Ivh5962q26Rqq1tH/Rd+9wuzVTWD/CuvVPwX4HqaYuQS6pPG1V6QEneVoak+pzd0HQU55g2lHm6XoT5JUqnTvS05ZrNrLn+SsbESZCDGwbOgEWe76KIXifL/m9+9dCh292TkS3Ztj4rizwsr7QqgONXyHCBp5ERIBMo1rhK/Xuu5kASSml+CLHhhLbS/C/8V38GgCYAAA==&quot;"/>
-    <we:property name="initialStateBookmark" value="&quot;H4sIAAAAAAAAA+VabU/bSBD+K5G/8CU9rd8dvlFKdRXQ9gLidDqharw7TrY4tmWvaXMo//1mbQcc8kZSLuEARSLel9lnZneenRnnzhCyyGIYf4YRGofG+zS9GUF+0zGNrpE0bV++nJ4f9U+/fT46P6HmNFMyTQrj8M5QkA9QXcmihFhLoMa/r7sGxPFXGOinCOICu0aGeZEmEMt/sB5MXSovcdI18GcWpzlokRcKFGqxtzScnmlt8zebVgSu5C1eIFd1ax+zNFfT565R1N8qSLN9Wli14HGaKJAJCdZtwjHRDW1muS5nGIYBely3RzJWzZBwfPIzy0mfu6kdPladQQiu6Ts+gO0hYz0ImU8Q1DjTY45Jg0GaSw4xNdbitLSrqUZW1/iYp6NKbmPzjEaeJEqqMT18zVNRclVQ22Ulkk3IoH8OMcdqDukh5FS1z6nS/zRQLIqm8VMy21Y08+JylMyPvkjLnGMfo4eHCtKEtoaw0MZVsLIa1rcwh0RQJ2G6grisNpykn0nSk1TWmupmmpGUcawHXk/033W9062FnwRo3ixrcHWNYfrjOEfaBqFt172b7syRuIWEU+tjIOcIRZnjU5Fc0koFNOftEZrLVEHcuYAYixeChRoiqfYOpobROSe6kMlO0PRRlfk8kLq509dEMw9Dn9JCJoO4YakH+qh90cjkbaouIYxR82D4HfWRPLyjaWkuMH8/rnztg8yn9EPufrIro2qnrJmSer63KTH9sQEJbOxz2mrNLaLnj1KhTTWUQmAFq2v0IoubHEPgAQuAAQjmLKfbF+iws7Q+C+d3SdSX8+H4DG8xnkd13/9UwBcqzRs8rblGoZu/8bRMVD7uPPTocc3StMFV76vQpY4GXoMmx1rCFmwzguwxzSz078YONfm8JMWnW7ieIVzhghm5VmAFnmm7nHtQBWQr7SNHFGQ+ttDqdUwBkYVgUeRmOWg6nsW8V8NEm9H7Ma2VCMgfI6FNy1UnjTrnFDIP9x46nEGhaihLrbPWkW4yudkxYZEIGISm5fo+9xhngq/ID3a2NWLLsKWIJac8pG0CY4SUuukvA0zq2J00yeq1JBYP2s5+W5XI8HYic6/DUxKZIwok6N8ZRqq21iiDXBZT202fTqUeZ3VbAzfJavhSe/blYFgJXJDI6EFKjvDA7PX8d8ykzyVjh9XnQB+X9vzVyO39Ie8tRF5lZnXkSINhwRkoNBt8aPJyrE78dlYij0jEhoKCd6b1zp4TVDvsSikH71H9QEwaNa8ny0N083GI/qy+ujQov0+fn3nB9Xdt0HOZbYcWBw95yFiPeb2d3YFL8rL6+jtLi+It3n9LjNK6+pZaZvO7T8vwoOeFUQBOYHPbdAPyWbb9EfiFkHOq7RXRZF0DbChviz1sbqF7UcZixmwHsZqPlsSuf2EjdsfZx8u1yHp/eHMm+aMkrsDV5+Rtuc0HWF19eAGlz/XhsgJ+g+KIphwPaYN3moS/3K2dMuIrVa/ly69UwymBrw8ReRS6IYTMsy10PMHQ4fbOQsRVrt0nVZISO5fVi8e9M00rQmuQbcM3Ayjn61h7eKGwUJsqN1xTU/MoinQCUzArsFzHpFOz9rC8pTi+vo/anftPKJaj+Q+qaRj5doC+bQnKM3phGFgrDsjM23bPcXwbAzfkge/7ge07Ifza2/aiXaRqatt7fdc+t0szlfU9vGtvFfxXoHreIuSS6tOTKj1QSN5UhmTxKbml6SguMK4p83y9CP1LlFad6HnLNU+z5vorGSMrQg6271k9FjiujSJ4myz7v/nVQ4tut09GNmTb6qws8rC0VEUGHL9Cggs8jYwAiUCxxlWq33PVB5JQSv1DiA18azL5FyT5PE9wJgAA&quot;"/>
-    <we:property name="isFooterCollapsed" value="true"/>
-    <we:property name="isFiltersActionButtonVisible" value="true"/>
-    <we:property name="reportEmbeddedTime" value="&quot;2023-11-28T20:28:11.694Z&quot;"/>
-    <we:property name="creatorTenantId" value="&quot;237cdfa0-ef1e-4015-984e-b5534c8a56ca&quot;"/>
-    <we:property name="creatorUserId" value="&quot;1003200304A80623&quot;"/>
-    <we:property name="creatorSessionId" value="&quot;cf3a93bf-496a-4f99-8c59-068c56b7007a&quot;"/>
+    <we:property name="reportUrl" value="&quot;/groups/me/reports/cc7a2c2e-8d1d-410f-872c-236e5a11f294/ReportSection?ctid=237cdfa0-ef1e-4015-984e-b5534c8a56ca&amp;pbi_source=shareVisual&amp;visual=895033b2ca6ecb009069&amp;height=144.00&amp;width=192.00&amp;bookmarkGuid=c55b526d-594c-4b86-8736-68730c6fe778&amp;fromEntryPoint=sharevisual&quot;"/>
   </we:properties>
   <we:bindings/>
   <we:snapshot xmlns:r="http://schemas.openxmlformats.org/officeDocument/2006/relationships" r:embed="rId1"/>
